--- a/Final_Project.pptx
+++ b/Final_Project.pptx
@@ -14,11 +14,12 @@
     <p:sldId id="261" r:id="rId8"/>
     <p:sldId id="268" r:id="rId9"/>
     <p:sldId id="269" r:id="rId10"/>
-    <p:sldId id="272" r:id="rId11"/>
-    <p:sldId id="271" r:id="rId12"/>
-    <p:sldId id="262" r:id="rId13"/>
-    <p:sldId id="270" r:id="rId14"/>
-    <p:sldId id="264" r:id="rId15"/>
+    <p:sldId id="273" r:id="rId11"/>
+    <p:sldId id="272" r:id="rId12"/>
+    <p:sldId id="271" r:id="rId13"/>
+    <p:sldId id="262" r:id="rId14"/>
+    <p:sldId id="270" r:id="rId15"/>
+    <p:sldId id="264" r:id="rId16"/>
   </p:sldIdLst>
   <p:sldSz cx="12192000" cy="6858000"/>
   <p:notesSz cx="6858000" cy="9144000"/>
@@ -8586,6 +8587,215 @@
       </p:grpSpPr>
       <p:sp>
         <p:nvSpPr>
+          <p:cNvPr id="2" name="Title 1">
+            <a:extLst>
+              <a:ext uri="{FF2B5EF4-FFF2-40B4-BE49-F238E27FC236}">
+                <a16:creationId xmlns:a16="http://schemas.microsoft.com/office/drawing/2014/main" id="{0B796C0D-12C7-694F-A596-B25D1EE7B32C}"/>
+              </a:ext>
+            </a:extLst>
+          </p:cNvPr>
+          <p:cNvSpPr>
+            <a:spLocks noGrp="1"/>
+          </p:cNvSpPr>
+          <p:nvPr>
+            <p:ph type="title"/>
+          </p:nvPr>
+        </p:nvSpPr>
+        <p:spPr>
+          <a:solidFill>
+            <a:srgbClr val="E6B91E"/>
+          </a:solidFill>
+        </p:spPr>
+        <p:txBody>
+          <a:bodyPr/>
+          <a:lstStyle/>
+          <a:p>
+            <a:r>
+              <a:rPr lang="en-US" b="1" i="1" cap="none" spc="0" dirty="0">
+                <a:solidFill>
+                  <a:schemeClr val="tx1"/>
+                </a:solidFill>
+                <a:latin typeface="Helvetica Bold Oblique" pitchFamily="2" charset="0"/>
+              </a:rPr>
+              <a:t>Model Used</a:t>
+            </a:r>
+          </a:p>
+        </p:txBody>
+      </p:sp>
+      <p:sp>
+        <p:nvSpPr>
+          <p:cNvPr id="5" name="Content Placeholder 4">
+            <a:extLst>
+              <a:ext uri="{FF2B5EF4-FFF2-40B4-BE49-F238E27FC236}">
+                <a16:creationId xmlns:a16="http://schemas.microsoft.com/office/drawing/2014/main" id="{56E56D90-AB84-7644-8435-9E1A6AA0E310}"/>
+              </a:ext>
+            </a:extLst>
+          </p:cNvPr>
+          <p:cNvSpPr>
+            <a:spLocks noGrp="1"/>
+          </p:cNvSpPr>
+          <p:nvPr>
+            <p:ph idx="1"/>
+          </p:nvPr>
+        </p:nvSpPr>
+        <p:spPr/>
+        <p:txBody>
+          <a:bodyPr>
+            <a:normAutofit/>
+          </a:bodyPr>
+          <a:lstStyle/>
+          <a:p>
+            <a:r>
+              <a:rPr lang="en-ID" dirty="0">
+                <a:solidFill>
+                  <a:schemeClr val="bg1"/>
+                </a:solidFill>
+                <a:latin typeface="Helvetica" pitchFamily="2" charset="0"/>
+              </a:rPr>
+              <a:t>Natural Language Processing		 </a:t>
+            </a:r>
+          </a:p>
+          <a:p>
+            <a:pPr lvl="1"/>
+            <a:r>
+              <a:rPr lang="en-ID" dirty="0">
+                <a:solidFill>
+                  <a:schemeClr val="bg1"/>
+                </a:solidFill>
+                <a:latin typeface="Helvetica" pitchFamily="2" charset="0"/>
+              </a:rPr>
+              <a:t>Bag of Words</a:t>
+            </a:r>
+          </a:p>
+          <a:p>
+            <a:pPr lvl="2"/>
+            <a:r>
+              <a:rPr lang="en-ID" dirty="0">
+                <a:solidFill>
+                  <a:schemeClr val="bg1"/>
+                </a:solidFill>
+                <a:latin typeface="Helvetica" pitchFamily="2" charset="0"/>
+              </a:rPr>
+              <a:t>‘company’, ’director’, 'genre’, 'star’, 'rating', 'score', 'year’ </a:t>
+            </a:r>
+          </a:p>
+          <a:p>
+            <a:r>
+              <a:rPr lang="en-ID" dirty="0">
+                <a:solidFill>
+                  <a:schemeClr val="bg1"/>
+                </a:solidFill>
+                <a:latin typeface="Helvetica" pitchFamily="2" charset="0"/>
+              </a:rPr>
+              <a:t>Content-based Filtering</a:t>
+            </a:r>
+            <a:endParaRPr lang="en-US" dirty="0">
+              <a:solidFill>
+                <a:schemeClr val="bg1"/>
+              </a:solidFill>
+              <a:latin typeface="Helvetica" pitchFamily="2" charset="0"/>
+            </a:endParaRPr>
+          </a:p>
+          <a:p>
+            <a:pPr lvl="1"/>
+            <a:r>
+              <a:rPr lang="en-US" dirty="0" err="1">
+                <a:solidFill>
+                  <a:schemeClr val="bg1"/>
+                </a:solidFill>
+                <a:latin typeface="Helvetica" pitchFamily="2" charset="0"/>
+              </a:rPr>
+              <a:t>CountVectorizer</a:t>
+            </a:r>
+            <a:endParaRPr lang="en-US" dirty="0">
+              <a:solidFill>
+                <a:schemeClr val="bg1"/>
+              </a:solidFill>
+              <a:latin typeface="Helvetica" pitchFamily="2" charset="0"/>
+            </a:endParaRPr>
+          </a:p>
+          <a:p>
+            <a:pPr lvl="1"/>
+            <a:r>
+              <a:rPr lang="en-US" dirty="0">
+                <a:solidFill>
+                  <a:schemeClr val="bg1"/>
+                </a:solidFill>
+                <a:latin typeface="Helvetica" pitchFamily="2" charset="0"/>
+              </a:rPr>
+              <a:t>Cosine Similarity</a:t>
+            </a:r>
+            <a:endParaRPr lang="en-ID" dirty="0">
+              <a:solidFill>
+                <a:schemeClr val="bg1"/>
+              </a:solidFill>
+              <a:latin typeface="Helvetica" pitchFamily="2" charset="0"/>
+            </a:endParaRPr>
+          </a:p>
+        </p:txBody>
+      </p:sp>
+      <p:pic>
+        <p:nvPicPr>
+          <p:cNvPr id="6" name="Picture 5" descr="A picture containing tableware, plate, drawing&#10;&#10;Description automatically generated">
+            <a:extLst>
+              <a:ext uri="{FF2B5EF4-FFF2-40B4-BE49-F238E27FC236}">
+                <a16:creationId xmlns:a16="http://schemas.microsoft.com/office/drawing/2014/main" id="{A1A5DBAF-2863-AA4E-B936-47391C505078}"/>
+              </a:ext>
+            </a:extLst>
+          </p:cNvPr>
+          <p:cNvPicPr>
+            <a:picLocks noChangeAspect="1"/>
+          </p:cNvPicPr>
+          <p:nvPr/>
+        </p:nvPicPr>
+        <p:blipFill>
+          <a:blip r:embed="rId2"/>
+          <a:stretch>
+            <a:fillRect/>
+          </a:stretch>
+        </p:blipFill>
+        <p:spPr>
+          <a:xfrm>
+            <a:off x="11374147" y="6464180"/>
+            <a:ext cx="817853" cy="393820"/>
+          </a:xfrm>
+          <a:prstGeom prst="rect">
+            <a:avLst/>
+          </a:prstGeom>
+        </p:spPr>
+      </p:pic>
+    </p:spTree>
+    <p:extLst>
+      <p:ext uri="{BB962C8B-B14F-4D97-AF65-F5344CB8AC3E}">
+        <p14:creationId xmlns:p14="http://schemas.microsoft.com/office/powerpoint/2010/main" val="4079038169"/>
+      </p:ext>
+    </p:extLst>
+  </p:cSld>
+  <p:clrMapOvr>
+    <a:masterClrMapping/>
+  </p:clrMapOvr>
+</p:sld>
+</file>
+
+<file path=ppt/slides/slide11.xml><?xml version="1.0" encoding="utf-8"?>
+<p:sld xmlns:a="http://schemas.openxmlformats.org/drawingml/2006/main" xmlns:r="http://schemas.openxmlformats.org/officeDocument/2006/relationships" xmlns:p="http://schemas.openxmlformats.org/presentationml/2006/main">
+  <p:cSld>
+    <p:spTree>
+      <p:nvGrpSpPr>
+        <p:cNvPr id="1" name=""/>
+        <p:cNvGrpSpPr/>
+        <p:nvPr/>
+      </p:nvGrpSpPr>
+      <p:grpSpPr>
+        <a:xfrm>
+          <a:off x="0" y="0"/>
+          <a:ext cx="0" cy="0"/>
+          <a:chOff x="0" y="0"/>
+          <a:chExt cx="0" cy="0"/>
+        </a:xfrm>
+      </p:grpSpPr>
+      <p:sp>
+        <p:nvSpPr>
           <p:cNvPr id="7" name="Title 6">
             <a:extLst>
               <a:ext uri="{FF2B5EF4-FFF2-40B4-BE49-F238E27FC236}">
@@ -8673,7 +8883,7 @@
 </p:sld>
 </file>
 
-<file path=ppt/slides/slide11.xml><?xml version="1.0" encoding="utf-8"?>
+<file path=ppt/slides/slide12.xml><?xml version="1.0" encoding="utf-8"?>
 <p:sld xmlns:a="http://schemas.openxmlformats.org/drawingml/2006/main" xmlns:r="http://schemas.openxmlformats.org/officeDocument/2006/relationships" xmlns:p="http://schemas.openxmlformats.org/presentationml/2006/main">
   <p:cSld>
     <p:spTree>
@@ -8742,7 +8952,7 @@
         </p:blipFill>
         <p:spPr>
           <a:xfrm>
-            <a:off x="6315474" y="3625910"/>
+            <a:off x="6294793" y="3620945"/>
             <a:ext cx="5876526" cy="3232090"/>
           </a:xfrm>
           <a:prstGeom prst="rect">
@@ -8772,7 +8982,7 @@
         </p:blipFill>
         <p:spPr>
           <a:xfrm>
-            <a:off x="6315475" y="-14561"/>
+            <a:off x="6294793" y="7280"/>
             <a:ext cx="5876526" cy="3232089"/>
           </a:xfrm>
           <a:prstGeom prst="rect">
@@ -8802,7 +9012,7 @@
         </p:blipFill>
         <p:spPr>
           <a:xfrm>
-            <a:off x="0" y="3625911"/>
+            <a:off x="13253" y="3618519"/>
             <a:ext cx="5883956" cy="3232090"/>
           </a:xfrm>
           <a:prstGeom prst="rect">
@@ -8853,7 +9063,7 @@
 </p:sld>
 </file>
 
-<file path=ppt/slides/slide12.xml><?xml version="1.0" encoding="utf-8"?>
+<file path=ppt/slides/slide13.xml><?xml version="1.0" encoding="utf-8"?>
 <p:sld xmlns:a="http://schemas.openxmlformats.org/drawingml/2006/main" xmlns:r="http://schemas.openxmlformats.org/officeDocument/2006/relationships" xmlns:p="http://schemas.openxmlformats.org/presentationml/2006/main">
   <p:cSld>
     <p:bg>
@@ -8967,7 +9177,7 @@
 </p:sld>
 </file>
 
-<file path=ppt/slides/slide13.xml><?xml version="1.0" encoding="utf-8"?>
+<file path=ppt/slides/slide14.xml><?xml version="1.0" encoding="utf-8"?>
 <p:sld xmlns:a="http://schemas.openxmlformats.org/drawingml/2006/main" xmlns:r="http://schemas.openxmlformats.org/officeDocument/2006/relationships" xmlns:p="http://schemas.openxmlformats.org/presentationml/2006/main">
   <p:cSld>
     <p:spTree>
@@ -9108,7 +9318,7 @@
 </p:sld>
 </file>
 
-<file path=ppt/slides/slide14.xml><?xml version="1.0" encoding="utf-8"?>
+<file path=ppt/slides/slide15.xml><?xml version="1.0" encoding="utf-8"?>
 <p:sld xmlns:a="http://schemas.openxmlformats.org/drawingml/2006/main" xmlns:r="http://schemas.openxmlformats.org/officeDocument/2006/relationships" xmlns:p="http://schemas.openxmlformats.org/presentationml/2006/main">
   <p:cSld>
     <p:spTree>
@@ -11431,17 +11641,8 @@
                         <a:rPr lang="en-US" b="0" i="0" dirty="0">
                           <a:latin typeface="Helvetica Light" panose="020B0403020202020204" pitchFamily="34" charset="0"/>
                         </a:rPr>
-                        <a:t>number of </a:t>
+                        <a:t>number of user votes</a:t>
                       </a:r>
-                      <a:r>
-                        <a:rPr lang="en-US" b="0" i="0">
-                          <a:latin typeface="Helvetica Light" panose="020B0403020202020204" pitchFamily="34" charset="0"/>
-                        </a:rPr>
-                        <a:t>user votes</a:t>
-                      </a:r>
-                      <a:endParaRPr lang="en-US" b="0" i="0" dirty="0">
-                        <a:latin typeface="Helvetica Light" panose="020B0403020202020204" pitchFamily="34" charset="0"/>
-                      </a:endParaRPr>
                     </a:p>
                   </a:txBody>
                   <a:tcPr anchor="ctr">
@@ -12214,7 +12415,7 @@
                 </a:solidFill>
                 <a:latin typeface="Helvetica Bold Oblique" pitchFamily="2" charset="0"/>
               </a:rPr>
-              <a:t>Model Used</a:t>
+              <a:t>Selecting A Great Movie To Watch</a:t>
             </a:r>
           </a:p>
         </p:txBody>
@@ -12235,10 +12436,15 @@
             <p:ph idx="1"/>
           </p:nvPr>
         </p:nvSpPr>
-        <p:spPr/>
+        <p:spPr>
+          <a:xfrm>
+            <a:off x="2231136" y="2638044"/>
+            <a:ext cx="7729728" cy="4219956"/>
+          </a:xfrm>
+        </p:spPr>
         <p:txBody>
           <a:bodyPr>
-            <a:normAutofit/>
+            <a:noAutofit/>
           </a:bodyPr>
           <a:lstStyle/>
           <a:p>
@@ -12249,11 +12455,10 @@
                 </a:solidFill>
                 <a:latin typeface="Helvetica" pitchFamily="2" charset="0"/>
               </a:rPr>
-              <a:t>Natural Language Processing		 </a:t>
+              <a:t>Select by themes</a:t>
             </a:r>
           </a:p>
           <a:p>
-            <a:pPr lvl="1"/>
             <a:r>
               <a:rPr lang="en-ID" dirty="0">
                 <a:solidFill>
@@ -12261,11 +12466,10 @@
                 </a:solidFill>
                 <a:latin typeface="Helvetica" pitchFamily="2" charset="0"/>
               </a:rPr>
-              <a:t>Bag of Words</a:t>
+              <a:t>Choose by genre</a:t>
             </a:r>
           </a:p>
           <a:p>
-            <a:pPr lvl="2"/>
             <a:r>
               <a:rPr lang="en-ID" dirty="0">
                 <a:solidFill>
@@ -12273,10 +12477,17 @@
                 </a:solidFill>
                 <a:latin typeface="Helvetica" pitchFamily="2" charset="0"/>
               </a:rPr>
-              <a:t>'name’, 'director’, 'genre’, 'star’, 'rating', 'score', 'year’ </a:t>
+              <a:t>Select by </a:t>
             </a:r>
-          </a:p>
-          <a:p>
+            <a:r>
+              <a:rPr lang="en-ID" dirty="0" err="1">
+                <a:solidFill>
+                  <a:schemeClr val="bg1"/>
+                </a:solidFill>
+                <a:latin typeface="Helvetica" pitchFamily="2" charset="0"/>
+              </a:rPr>
+              <a:t>favorite</a:t>
+            </a:r>
             <a:r>
               <a:rPr lang="en-ID" dirty="0">
                 <a:solidFill>
@@ -12284,9 +12495,69 @@
                 </a:solidFill>
                 <a:latin typeface="Helvetica" pitchFamily="2" charset="0"/>
               </a:rPr>
-              <a:t>Content-based Filtering</a:t>
+              <a:t> actors</a:t>
             </a:r>
-            <a:endParaRPr lang="en-US" dirty="0">
+          </a:p>
+          <a:p>
+            <a:r>
+              <a:rPr lang="en-ID" dirty="0">
+                <a:solidFill>
+                  <a:schemeClr val="bg1"/>
+                </a:solidFill>
+                <a:latin typeface="Helvetica" pitchFamily="2" charset="0"/>
+              </a:rPr>
+              <a:t>Select by audience</a:t>
+            </a:r>
+          </a:p>
+          <a:p>
+            <a:r>
+              <a:rPr lang="en-ID" dirty="0">
+                <a:solidFill>
+                  <a:schemeClr val="bg1"/>
+                </a:solidFill>
+                <a:latin typeface="Helvetica" pitchFamily="2" charset="0"/>
+              </a:rPr>
+              <a:t>Select by the director</a:t>
+            </a:r>
+          </a:p>
+          <a:p>
+            <a:r>
+              <a:rPr lang="en-ID" dirty="0">
+                <a:solidFill>
+                  <a:schemeClr val="bg1"/>
+                </a:solidFill>
+                <a:latin typeface="Helvetica" pitchFamily="2" charset="0"/>
+              </a:rPr>
+              <a:t>Select by the producer</a:t>
+            </a:r>
+          </a:p>
+          <a:p>
+            <a:r>
+              <a:rPr lang="en-ID" dirty="0">
+                <a:solidFill>
+                  <a:schemeClr val="bg1"/>
+                </a:solidFill>
+                <a:latin typeface="Helvetica" pitchFamily="2" charset="0"/>
+              </a:rPr>
+              <a:t>Year of released</a:t>
+            </a:r>
+          </a:p>
+          <a:p>
+            <a:r>
+              <a:rPr lang="en-ID" dirty="0">
+                <a:solidFill>
+                  <a:schemeClr val="bg1"/>
+                </a:solidFill>
+                <a:latin typeface="Helvetica" pitchFamily="2" charset="0"/>
+              </a:rPr>
+              <a:t>Use popularity rankings (score)</a:t>
+            </a:r>
+          </a:p>
+          <a:p>
+            <a:pPr marL="0" indent="0">
+              <a:buNone/>
+            </a:pPr>
+            <a:endParaRPr lang="en-ID" sz="1600" dirty="0">
               <a:solidFill>
                 <a:schemeClr val="bg1"/>
               </a:solidFill>
@@ -12294,35 +12565,92 @@
             </a:endParaRPr>
           </a:p>
           <a:p>
-            <a:pPr lvl="1"/>
+            <a:pPr marL="0" indent="0">
+              <a:buNone/>
+            </a:pPr>
             <a:r>
-              <a:rPr lang="en-US" dirty="0" err="1">
+              <a:rPr lang="en-ID" sz="800" dirty="0">
                 <a:solidFill>
                   <a:schemeClr val="bg1"/>
                 </a:solidFill>
                 <a:latin typeface="Helvetica" pitchFamily="2" charset="0"/>
               </a:rPr>
-              <a:t>CountVectorizer</a:t>
+              <a:t>http://</a:t>
             </a:r>
-            <a:endParaRPr lang="en-US" dirty="0">
-              <a:solidFill>
-                <a:schemeClr val="bg1"/>
-              </a:solidFill>
-              <a:latin typeface="Helvetica" pitchFamily="2" charset="0"/>
-            </a:endParaRPr>
-          </a:p>
-          <a:p>
-            <a:pPr lvl="1"/>
             <a:r>
-              <a:rPr lang="en-US" dirty="0">
+              <a:rPr lang="en-ID" sz="800" dirty="0" err="1">
                 <a:solidFill>
                   <a:schemeClr val="bg1"/>
                 </a:solidFill>
                 <a:latin typeface="Helvetica" pitchFamily="2" charset="0"/>
               </a:rPr>
-              <a:t>Cosine Similarity</a:t>
+              <a:t>www.gacds.org</a:t>
             </a:r>
-            <a:endParaRPr lang="en-ID" dirty="0">
+            <a:r>
+              <a:rPr lang="en-ID" sz="800" dirty="0">
+                <a:solidFill>
+                  <a:schemeClr val="bg1"/>
+                </a:solidFill>
+                <a:latin typeface="Helvetica" pitchFamily="2" charset="0"/>
+              </a:rPr>
+              <a:t>/entertainment/tips-to-selecting-a-great-movie-to-watch/</a:t>
+            </a:r>
+          </a:p>
+          <a:p>
+            <a:pPr marL="0" indent="0">
+              <a:buNone/>
+            </a:pPr>
+            <a:r>
+              <a:rPr lang="en-ID" sz="800" dirty="0">
+                <a:solidFill>
+                  <a:schemeClr val="bg1"/>
+                </a:solidFill>
+                <a:latin typeface="Helvetica" pitchFamily="2" charset="0"/>
+              </a:rPr>
+              <a:t>taken from https://</a:t>
+            </a:r>
+            <a:r>
+              <a:rPr lang="en-ID" sz="800" dirty="0" err="1">
+                <a:solidFill>
+                  <a:schemeClr val="bg1"/>
+                </a:solidFill>
+                <a:latin typeface="Helvetica" pitchFamily="2" charset="0"/>
+              </a:rPr>
+              <a:t>medium.com</a:t>
+            </a:r>
+            <a:r>
+              <a:rPr lang="en-ID" sz="800" dirty="0">
+                <a:solidFill>
+                  <a:schemeClr val="bg1"/>
+                </a:solidFill>
+                <a:latin typeface="Helvetica" pitchFamily="2" charset="0"/>
+              </a:rPr>
+              <a:t>/</a:t>
+            </a:r>
+            <a:r>
+              <a:rPr lang="en-ID" sz="800" dirty="0" err="1">
+                <a:solidFill>
+                  <a:schemeClr val="bg1"/>
+                </a:solidFill>
+                <a:latin typeface="Helvetica" pitchFamily="2" charset="0"/>
+              </a:rPr>
+              <a:t>fnplus</a:t>
+            </a:r>
+            <a:r>
+              <a:rPr lang="en-ID" sz="800" dirty="0">
+                <a:solidFill>
+                  <a:schemeClr val="bg1"/>
+                </a:solidFill>
+                <a:latin typeface="Helvetica" pitchFamily="2" charset="0"/>
+              </a:rPr>
+              <a:t>/content-based-recommendations-ffb221931485</a:t>
+            </a:r>
+          </a:p>
+          <a:p>
+            <a:pPr marL="0" indent="0">
+              <a:buNone/>
+            </a:pPr>
+            <a:endParaRPr lang="en-ID" sz="1600" dirty="0">
               <a:solidFill>
                 <a:schemeClr val="bg1"/>
               </a:solidFill>

--- a/Final_Project.pptx
+++ b/Final_Project.pptx
@@ -8,18 +8,19 @@
     <p:sldId id="256" r:id="rId2"/>
     <p:sldId id="257" r:id="rId3"/>
     <p:sldId id="258" r:id="rId4"/>
-    <p:sldId id="265" r:id="rId5"/>
-    <p:sldId id="267" r:id="rId6"/>
-    <p:sldId id="266" r:id="rId7"/>
-    <p:sldId id="261" r:id="rId8"/>
-    <p:sldId id="268" r:id="rId9"/>
-    <p:sldId id="269" r:id="rId10"/>
-    <p:sldId id="273" r:id="rId11"/>
-    <p:sldId id="272" r:id="rId12"/>
-    <p:sldId id="271" r:id="rId13"/>
-    <p:sldId id="262" r:id="rId14"/>
-    <p:sldId id="270" r:id="rId15"/>
-    <p:sldId id="264" r:id="rId16"/>
+    <p:sldId id="274" r:id="rId5"/>
+    <p:sldId id="265" r:id="rId6"/>
+    <p:sldId id="267" r:id="rId7"/>
+    <p:sldId id="266" r:id="rId8"/>
+    <p:sldId id="261" r:id="rId9"/>
+    <p:sldId id="268" r:id="rId10"/>
+    <p:sldId id="269" r:id="rId11"/>
+    <p:sldId id="273" r:id="rId12"/>
+    <p:sldId id="272" r:id="rId13"/>
+    <p:sldId id="271" r:id="rId14"/>
+    <p:sldId id="262" r:id="rId15"/>
+    <p:sldId id="270" r:id="rId16"/>
+    <p:sldId id="264" r:id="rId17"/>
   </p:sldIdLst>
   <p:sldSz cx="12192000" cy="6858000"/>
   <p:notesSz cx="6858000" cy="9144000"/>
@@ -1769,7 +1770,7 @@
       </dgm:t>
     </dgm:pt>
     <dgm:pt modelId="{AFB37AEA-307F-5D48-9B39-8A74ED2E7D5B}">
-      <dgm:prSet/>
+      <dgm:prSet phldrT="[Text]"/>
       <dgm:spPr>
         <a:solidFill>
           <a:schemeClr val="tx1"/>
@@ -1781,17 +1782,22 @@
         </a:ln>
       </dgm:spPr>
       <dgm:t>
-        <a:bodyPr/>
+        <a:bodyPr anchor="ctr"/>
         <a:lstStyle/>
         <a:p>
           <a:r>
-            <a:rPr lang="en-US" dirty="0"/>
+            <a:rPr lang="en-US" b="0" i="1" dirty="0">
+              <a:latin typeface="Helvetica Light Oblique" panose="020B0403020202020204" pitchFamily="34" charset="0"/>
+            </a:rPr>
             <a:t>Dashboard</a:t>
           </a:r>
+          <a:endParaRPr lang="en-US" b="0" i="1" dirty="0">
+            <a:latin typeface="Helvetica" pitchFamily="2" charset="0"/>
+          </a:endParaRPr>
         </a:p>
       </dgm:t>
     </dgm:pt>
-    <dgm:pt modelId="{8E07740E-427F-BB45-B748-BAE38967B348}" type="parTrans" cxnId="{A4EE7B93-D943-7F47-BFF3-2C2E1A6A7FB2}">
+    <dgm:pt modelId="{DE9D57A4-2691-734B-8BF6-0122AA346E12}" type="sibTrans" cxnId="{A4EE7B93-D943-7F47-BFF3-2C2E1A6A7FB2}">
       <dgm:prSet/>
       <dgm:spPr/>
       <dgm:t>
@@ -1802,7 +1808,7 @@
         </a:p>
       </dgm:t>
     </dgm:pt>
-    <dgm:pt modelId="{DE9D57A4-2691-734B-8BF6-0122AA346E12}" type="sibTrans" cxnId="{A4EE7B93-D943-7F47-BFF3-2C2E1A6A7FB2}">
+    <dgm:pt modelId="{8E07740E-427F-BB45-B748-BAE38967B348}" type="parTrans" cxnId="{A4EE7B93-D943-7F47-BFF3-2C2E1A6A7FB2}">
       <dgm:prSet/>
       <dgm:spPr/>
       <dgm:t>
@@ -2328,9 +2334,14 @@
             <a:buNone/>
           </a:pPr>
           <a:r>
-            <a:rPr lang="en-US" sz="1800" kern="1200" dirty="0"/>
+            <a:rPr lang="en-US" sz="1800" b="0" i="1" kern="1200" dirty="0">
+              <a:latin typeface="Helvetica Light Oblique" panose="020B0403020202020204" pitchFamily="34" charset="0"/>
+            </a:rPr>
             <a:t>Dashboard</a:t>
           </a:r>
+          <a:endParaRPr lang="en-US" sz="1800" b="0" i="1" kern="1200" dirty="0">
+            <a:latin typeface="Helvetica" pitchFamily="2" charset="0"/>
+          </a:endParaRPr>
         </a:p>
       </dsp:txBody>
       <dsp:txXfrm>
@@ -5419,7 +5430,7 @@
           <a:p>
             <a:fld id="{B508BBBB-636A-0F42-A816-1E76F8FD21CA}" type="datetimeFigureOut">
               <a:rPr lang="en-US" smtClean="0"/>
-              <a:t>6/19/20</a:t>
+              <a:t>7/1/20</a:t>
             </a:fld>
             <a:endParaRPr lang="en-US"/>
           </a:p>
@@ -5589,7 +5600,7 @@
           <a:p>
             <a:fld id="{B508BBBB-636A-0F42-A816-1E76F8FD21CA}" type="datetimeFigureOut">
               <a:rPr lang="en-US" smtClean="0"/>
-              <a:t>6/19/20</a:t>
+              <a:t>7/1/20</a:t>
             </a:fld>
             <a:endParaRPr lang="en-US"/>
           </a:p>
@@ -5769,7 +5780,7 @@
           <a:p>
             <a:fld id="{B508BBBB-636A-0F42-A816-1E76F8FD21CA}" type="datetimeFigureOut">
               <a:rPr lang="en-US" smtClean="0"/>
-              <a:t>6/19/20</a:t>
+              <a:t>7/1/20</a:t>
             </a:fld>
             <a:endParaRPr lang="en-US"/>
           </a:p>
@@ -5939,7 +5950,7 @@
           <a:p>
             <a:fld id="{B508BBBB-636A-0F42-A816-1E76F8FD21CA}" type="datetimeFigureOut">
               <a:rPr lang="en-US" smtClean="0"/>
-              <a:t>6/19/20</a:t>
+              <a:t>7/1/20</a:t>
             </a:fld>
             <a:endParaRPr lang="en-US"/>
           </a:p>
@@ -6206,7 +6217,7 @@
           <a:p>
             <a:fld id="{B508BBBB-636A-0F42-A816-1E76F8FD21CA}" type="datetimeFigureOut">
               <a:rPr lang="en-US" smtClean="0"/>
-              <a:t>6/19/20</a:t>
+              <a:t>7/1/20</a:t>
             </a:fld>
             <a:endParaRPr lang="en-US"/>
           </a:p>
@@ -6438,7 +6449,7 @@
           <a:p>
             <a:fld id="{B508BBBB-636A-0F42-A816-1E76F8FD21CA}" type="datetimeFigureOut">
               <a:rPr lang="en-US" smtClean="0"/>
-              <a:t>6/19/20</a:t>
+              <a:t>7/1/20</a:t>
             </a:fld>
             <a:endParaRPr lang="en-US"/>
           </a:p>
@@ -6797,7 +6808,7 @@
           <a:p>
             <a:fld id="{B508BBBB-636A-0F42-A816-1E76F8FD21CA}" type="datetimeFigureOut">
               <a:rPr lang="en-US" smtClean="0"/>
-              <a:t>6/19/20</a:t>
+              <a:t>7/1/20</a:t>
             </a:fld>
             <a:endParaRPr lang="en-US"/>
           </a:p>
@@ -6938,7 +6949,7 @@
           <a:p>
             <a:fld id="{B508BBBB-636A-0F42-A816-1E76F8FD21CA}" type="datetimeFigureOut">
               <a:rPr lang="en-US" smtClean="0"/>
-              <a:t>6/19/20</a:t>
+              <a:t>7/1/20</a:t>
             </a:fld>
             <a:endParaRPr lang="en-US"/>
           </a:p>
@@ -7033,7 +7044,7 @@
           <a:p>
             <a:fld id="{B508BBBB-636A-0F42-A816-1E76F8FD21CA}" type="datetimeFigureOut">
               <a:rPr lang="en-US" smtClean="0"/>
-              <a:t>6/19/20</a:t>
+              <a:t>7/1/20</a:t>
             </a:fld>
             <a:endParaRPr lang="en-US"/>
           </a:p>
@@ -7390,7 +7401,7 @@
           <a:p>
             <a:fld id="{B508BBBB-636A-0F42-A816-1E76F8FD21CA}" type="datetimeFigureOut">
               <a:rPr lang="en-US" smtClean="0"/>
-              <a:t>6/19/20</a:t>
+              <a:t>7/1/20</a:t>
             </a:fld>
             <a:endParaRPr lang="en-US"/>
           </a:p>
@@ -7747,7 +7758,7 @@
           <a:p>
             <a:fld id="{B508BBBB-636A-0F42-A816-1E76F8FD21CA}" type="datetimeFigureOut">
               <a:rPr lang="en-US" smtClean="0"/>
-              <a:t>6/19/20</a:t>
+              <a:t>7/1/20</a:t>
             </a:fld>
             <a:endParaRPr lang="en-US"/>
           </a:p>
@@ -7987,7 +7998,7 @@
           <a:p>
             <a:fld id="{B508BBBB-636A-0F42-A816-1E76F8FD21CA}" type="datetimeFigureOut">
               <a:rPr lang="en-US" smtClean="0"/>
-              <a:t>6/19/20</a:t>
+              <a:t>7/1/20</a:t>
             </a:fld>
             <a:endParaRPr lang="en-US"/>
           </a:p>
@@ -8474,7 +8485,7 @@
         </p:spPr>
         <p:txBody>
           <a:bodyPr>
-            <a:normAutofit/>
+            <a:normAutofit fontScale="90000"/>
           </a:bodyPr>
           <a:lstStyle/>
           <a:p>
@@ -8485,7 +8496,16 @@
                 </a:solidFill>
                 <a:latin typeface="Impact" panose="020B0806030902050204" pitchFamily="34" charset="0"/>
               </a:rPr>
-              <a:t>IMDb Recommendation System</a:t>
+              <a:t>Movie Recommender System from </a:t>
+            </a:r>
+            <a:r>
+              <a:rPr lang="en-US" sz="4800" cap="none" spc="0">
+                <a:solidFill>
+                  <a:schemeClr val="bg1"/>
+                </a:solidFill>
+                <a:latin typeface="Impact" panose="020B0806030902050204" pitchFamily="34" charset="0"/>
+              </a:rPr>
+              <a:t>IMDb Dataset</a:t>
             </a:r>
             <a:endParaRPr lang="en-US" sz="4800" spc="0" dirty="0">
               <a:solidFill>
@@ -8539,7 +8559,7 @@
                 </a:solidFill>
                 <a:latin typeface="Helvetica Oblique" pitchFamily="2" charset="0"/>
               </a:rPr>
-              <a:t>Dimas Muhammad Adnan Imran</a:t>
+              <a:t>Dimas M. Adnan</a:t>
             </a:r>
           </a:p>
           <a:p>
@@ -8617,6 +8637,324 @@
                 </a:solidFill>
                 <a:latin typeface="Helvetica Bold Oblique" pitchFamily="2" charset="0"/>
               </a:rPr>
+              <a:t>Selecting A Great Movie To Watch</a:t>
+            </a:r>
+          </a:p>
+        </p:txBody>
+      </p:sp>
+      <p:sp>
+        <p:nvSpPr>
+          <p:cNvPr id="5" name="Content Placeholder 4">
+            <a:extLst>
+              <a:ext uri="{FF2B5EF4-FFF2-40B4-BE49-F238E27FC236}">
+                <a16:creationId xmlns:a16="http://schemas.microsoft.com/office/drawing/2014/main" id="{56E56D90-AB84-7644-8435-9E1A6AA0E310}"/>
+              </a:ext>
+            </a:extLst>
+          </p:cNvPr>
+          <p:cNvSpPr>
+            <a:spLocks noGrp="1"/>
+          </p:cNvSpPr>
+          <p:nvPr>
+            <p:ph idx="1"/>
+          </p:nvPr>
+        </p:nvSpPr>
+        <p:spPr>
+          <a:xfrm>
+            <a:off x="2231136" y="2638044"/>
+            <a:ext cx="7729728" cy="4219956"/>
+          </a:xfrm>
+        </p:spPr>
+        <p:txBody>
+          <a:bodyPr>
+            <a:noAutofit/>
+          </a:bodyPr>
+          <a:lstStyle/>
+          <a:p>
+            <a:r>
+              <a:rPr lang="en-ID" dirty="0">
+                <a:solidFill>
+                  <a:schemeClr val="bg1"/>
+                </a:solidFill>
+                <a:latin typeface="Helvetica" pitchFamily="2" charset="0"/>
+              </a:rPr>
+              <a:t>Select by themes</a:t>
+            </a:r>
+          </a:p>
+          <a:p>
+            <a:r>
+              <a:rPr lang="en-ID" dirty="0">
+                <a:solidFill>
+                  <a:schemeClr val="bg1"/>
+                </a:solidFill>
+                <a:latin typeface="Helvetica" pitchFamily="2" charset="0"/>
+              </a:rPr>
+              <a:t>Choose by genre</a:t>
+            </a:r>
+          </a:p>
+          <a:p>
+            <a:r>
+              <a:rPr lang="en-ID" dirty="0">
+                <a:solidFill>
+                  <a:schemeClr val="bg1"/>
+                </a:solidFill>
+                <a:latin typeface="Helvetica" pitchFamily="2" charset="0"/>
+              </a:rPr>
+              <a:t>Select by favourite actors</a:t>
+            </a:r>
+          </a:p>
+          <a:p>
+            <a:r>
+              <a:rPr lang="en-ID" dirty="0">
+                <a:solidFill>
+                  <a:schemeClr val="bg1"/>
+                </a:solidFill>
+                <a:latin typeface="Helvetica" pitchFamily="2" charset="0"/>
+              </a:rPr>
+              <a:t>Select by audience</a:t>
+            </a:r>
+          </a:p>
+          <a:p>
+            <a:r>
+              <a:rPr lang="en-ID" dirty="0">
+                <a:solidFill>
+                  <a:schemeClr val="bg1"/>
+                </a:solidFill>
+                <a:latin typeface="Helvetica" pitchFamily="2" charset="0"/>
+              </a:rPr>
+              <a:t>Select by the director</a:t>
+            </a:r>
+          </a:p>
+          <a:p>
+            <a:r>
+              <a:rPr lang="en-ID" dirty="0">
+                <a:solidFill>
+                  <a:schemeClr val="bg1"/>
+                </a:solidFill>
+                <a:latin typeface="Helvetica" pitchFamily="2" charset="0"/>
+              </a:rPr>
+              <a:t>Select by the producer</a:t>
+            </a:r>
+          </a:p>
+          <a:p>
+            <a:r>
+              <a:rPr lang="en-ID" dirty="0">
+                <a:solidFill>
+                  <a:schemeClr val="bg1"/>
+                </a:solidFill>
+                <a:latin typeface="Helvetica" pitchFamily="2" charset="0"/>
+              </a:rPr>
+              <a:t>Year of released</a:t>
+            </a:r>
+          </a:p>
+          <a:p>
+            <a:r>
+              <a:rPr lang="en-ID" dirty="0">
+                <a:solidFill>
+                  <a:schemeClr val="bg1"/>
+                </a:solidFill>
+                <a:latin typeface="Helvetica" pitchFamily="2" charset="0"/>
+              </a:rPr>
+              <a:t>Use popularity rankings (score)</a:t>
+            </a:r>
+          </a:p>
+          <a:p>
+            <a:pPr marL="0" indent="0">
+              <a:buNone/>
+            </a:pPr>
+            <a:endParaRPr lang="en-ID" sz="1600" dirty="0">
+              <a:solidFill>
+                <a:schemeClr val="bg1"/>
+              </a:solidFill>
+              <a:latin typeface="Helvetica" pitchFamily="2" charset="0"/>
+            </a:endParaRPr>
+          </a:p>
+          <a:p>
+            <a:pPr marL="0" indent="0">
+              <a:buNone/>
+            </a:pPr>
+            <a:r>
+              <a:rPr lang="en-ID" sz="800" dirty="0">
+                <a:solidFill>
+                  <a:schemeClr val="bg1"/>
+                </a:solidFill>
+                <a:latin typeface="Helvetica" pitchFamily="2" charset="0"/>
+              </a:rPr>
+              <a:t>http://</a:t>
+            </a:r>
+            <a:r>
+              <a:rPr lang="en-ID" sz="800" dirty="0" err="1">
+                <a:solidFill>
+                  <a:schemeClr val="bg1"/>
+                </a:solidFill>
+                <a:latin typeface="Helvetica" pitchFamily="2" charset="0"/>
+              </a:rPr>
+              <a:t>www.gacds.org</a:t>
+            </a:r>
+            <a:r>
+              <a:rPr lang="en-ID" sz="800" dirty="0">
+                <a:solidFill>
+                  <a:schemeClr val="bg1"/>
+                </a:solidFill>
+                <a:latin typeface="Helvetica" pitchFamily="2" charset="0"/>
+              </a:rPr>
+              <a:t>/entertainment/tips-to-selecting-a-great-movie-to-watch/</a:t>
+            </a:r>
+          </a:p>
+          <a:p>
+            <a:pPr marL="0" indent="0">
+              <a:buNone/>
+            </a:pPr>
+            <a:r>
+              <a:rPr lang="en-ID" sz="800" dirty="0">
+                <a:solidFill>
+                  <a:schemeClr val="bg1"/>
+                </a:solidFill>
+                <a:latin typeface="Helvetica" pitchFamily="2" charset="0"/>
+              </a:rPr>
+              <a:t>taken from https://</a:t>
+            </a:r>
+            <a:r>
+              <a:rPr lang="en-ID" sz="800" dirty="0" err="1">
+                <a:solidFill>
+                  <a:schemeClr val="bg1"/>
+                </a:solidFill>
+                <a:latin typeface="Helvetica" pitchFamily="2" charset="0"/>
+              </a:rPr>
+              <a:t>medium.com</a:t>
+            </a:r>
+            <a:r>
+              <a:rPr lang="en-ID" sz="800" dirty="0">
+                <a:solidFill>
+                  <a:schemeClr val="bg1"/>
+                </a:solidFill>
+                <a:latin typeface="Helvetica" pitchFamily="2" charset="0"/>
+              </a:rPr>
+              <a:t>/</a:t>
+            </a:r>
+            <a:r>
+              <a:rPr lang="en-ID" sz="800" dirty="0" err="1">
+                <a:solidFill>
+                  <a:schemeClr val="bg1"/>
+                </a:solidFill>
+                <a:latin typeface="Helvetica" pitchFamily="2" charset="0"/>
+              </a:rPr>
+              <a:t>fnplus</a:t>
+            </a:r>
+            <a:r>
+              <a:rPr lang="en-ID" sz="800" dirty="0">
+                <a:solidFill>
+                  <a:schemeClr val="bg1"/>
+                </a:solidFill>
+                <a:latin typeface="Helvetica" pitchFamily="2" charset="0"/>
+              </a:rPr>
+              <a:t>/content-based-recommendations-ffb221931485</a:t>
+            </a:r>
+          </a:p>
+          <a:p>
+            <a:pPr marL="0" indent="0">
+              <a:buNone/>
+            </a:pPr>
+            <a:endParaRPr lang="en-ID" sz="1600" dirty="0">
+              <a:solidFill>
+                <a:schemeClr val="bg1"/>
+              </a:solidFill>
+              <a:latin typeface="Helvetica" pitchFamily="2" charset="0"/>
+            </a:endParaRPr>
+          </a:p>
+        </p:txBody>
+      </p:sp>
+      <p:pic>
+        <p:nvPicPr>
+          <p:cNvPr id="6" name="Picture 5" descr="A picture containing tableware, plate, drawing&#10;&#10;Description automatically generated">
+            <a:extLst>
+              <a:ext uri="{FF2B5EF4-FFF2-40B4-BE49-F238E27FC236}">
+                <a16:creationId xmlns:a16="http://schemas.microsoft.com/office/drawing/2014/main" id="{A1A5DBAF-2863-AA4E-B936-47391C505078}"/>
+              </a:ext>
+            </a:extLst>
+          </p:cNvPr>
+          <p:cNvPicPr>
+            <a:picLocks noChangeAspect="1"/>
+          </p:cNvPicPr>
+          <p:nvPr/>
+        </p:nvPicPr>
+        <p:blipFill>
+          <a:blip r:embed="rId2"/>
+          <a:stretch>
+            <a:fillRect/>
+          </a:stretch>
+        </p:blipFill>
+        <p:spPr>
+          <a:xfrm>
+            <a:off x="11374147" y="6464180"/>
+            <a:ext cx="817853" cy="393820"/>
+          </a:xfrm>
+          <a:prstGeom prst="rect">
+            <a:avLst/>
+          </a:prstGeom>
+        </p:spPr>
+      </p:pic>
+    </p:spTree>
+    <p:extLst>
+      <p:ext uri="{BB962C8B-B14F-4D97-AF65-F5344CB8AC3E}">
+        <p14:creationId xmlns:p14="http://schemas.microsoft.com/office/powerpoint/2010/main" val="3915917868"/>
+      </p:ext>
+    </p:extLst>
+  </p:cSld>
+  <p:clrMapOvr>
+    <a:masterClrMapping/>
+  </p:clrMapOvr>
+</p:sld>
+</file>
+
+<file path=ppt/slides/slide11.xml><?xml version="1.0" encoding="utf-8"?>
+<p:sld xmlns:a="http://schemas.openxmlformats.org/drawingml/2006/main" xmlns:r="http://schemas.openxmlformats.org/officeDocument/2006/relationships" xmlns:p="http://schemas.openxmlformats.org/presentationml/2006/main">
+  <p:cSld>
+    <p:spTree>
+      <p:nvGrpSpPr>
+        <p:cNvPr id="1" name=""/>
+        <p:cNvGrpSpPr/>
+        <p:nvPr/>
+      </p:nvGrpSpPr>
+      <p:grpSpPr>
+        <a:xfrm>
+          <a:off x="0" y="0"/>
+          <a:ext cx="0" cy="0"/>
+          <a:chOff x="0" y="0"/>
+          <a:chExt cx="0" cy="0"/>
+        </a:xfrm>
+      </p:grpSpPr>
+      <p:sp>
+        <p:nvSpPr>
+          <p:cNvPr id="2" name="Title 1">
+            <a:extLst>
+              <a:ext uri="{FF2B5EF4-FFF2-40B4-BE49-F238E27FC236}">
+                <a16:creationId xmlns:a16="http://schemas.microsoft.com/office/drawing/2014/main" id="{0B796C0D-12C7-694F-A596-B25D1EE7B32C}"/>
+              </a:ext>
+            </a:extLst>
+          </p:cNvPr>
+          <p:cNvSpPr>
+            <a:spLocks noGrp="1"/>
+          </p:cNvSpPr>
+          <p:nvPr>
+            <p:ph type="title"/>
+          </p:nvPr>
+        </p:nvSpPr>
+        <p:spPr>
+          <a:solidFill>
+            <a:srgbClr val="E6B91E"/>
+          </a:solidFill>
+        </p:spPr>
+        <p:txBody>
+          <a:bodyPr/>
+          <a:lstStyle/>
+          <a:p>
+            <a:r>
+              <a:rPr lang="en-US" b="1" i="1" cap="none" spc="0" dirty="0">
+                <a:solidFill>
+                  <a:schemeClr val="tx1"/>
+                </a:solidFill>
+                <a:latin typeface="Helvetica Bold Oblique" pitchFamily="2" charset="0"/>
+              </a:rPr>
               <a:t>Model Used</a:t>
             </a:r>
           </a:p>
@@ -8676,7 +9014,7 @@
                 </a:solidFill>
                 <a:latin typeface="Helvetica" pitchFamily="2" charset="0"/>
               </a:rPr>
-              <a:t>‘company’, ’director’, 'genre’, 'star’, 'rating', 'score', 'year’ </a:t>
+              <a:t>‘company’, ’director’, 'genre’, 'star’, 'rating’, and 'year’ </a:t>
             </a:r>
           </a:p>
           <a:p>
@@ -8777,7 +9115,7 @@
 </p:sld>
 </file>
 
-<file path=ppt/slides/slide11.xml><?xml version="1.0" encoding="utf-8"?>
+<file path=ppt/slides/slide12.xml><?xml version="1.0" encoding="utf-8"?>
 <p:sld xmlns:a="http://schemas.openxmlformats.org/drawingml/2006/main" xmlns:r="http://schemas.openxmlformats.org/officeDocument/2006/relationships" xmlns:p="http://schemas.openxmlformats.org/presentationml/2006/main">
   <p:cSld>
     <p:spTree>
@@ -8883,7 +9221,7 @@
 </p:sld>
 </file>
 
-<file path=ppt/slides/slide12.xml><?xml version="1.0" encoding="utf-8"?>
+<file path=ppt/slides/slide13.xml><?xml version="1.0" encoding="utf-8"?>
 <p:sld xmlns:a="http://schemas.openxmlformats.org/drawingml/2006/main" xmlns:r="http://schemas.openxmlformats.org/officeDocument/2006/relationships" xmlns:p="http://schemas.openxmlformats.org/presentationml/2006/main">
   <p:cSld>
     <p:spTree>
@@ -9063,7 +9401,7 @@
 </p:sld>
 </file>
 
-<file path=ppt/slides/slide13.xml><?xml version="1.0" encoding="utf-8"?>
+<file path=ppt/slides/slide14.xml><?xml version="1.0" encoding="utf-8"?>
 <p:sld xmlns:a="http://schemas.openxmlformats.org/drawingml/2006/main" xmlns:r="http://schemas.openxmlformats.org/officeDocument/2006/relationships" xmlns:p="http://schemas.openxmlformats.org/presentationml/2006/main">
   <p:cSld>
     <p:bg>
@@ -9177,7 +9515,7 @@
 </p:sld>
 </file>
 
-<file path=ppt/slides/slide14.xml><?xml version="1.0" encoding="utf-8"?>
+<file path=ppt/slides/slide15.xml><?xml version="1.0" encoding="utf-8"?>
 <p:sld xmlns:a="http://schemas.openxmlformats.org/drawingml/2006/main" xmlns:r="http://schemas.openxmlformats.org/officeDocument/2006/relationships" xmlns:p="http://schemas.openxmlformats.org/presentationml/2006/main">
   <p:cSld>
     <p:spTree>
@@ -9318,7 +9656,7 @@
 </p:sld>
 </file>
 
-<file path=ppt/slides/slide15.xml><?xml version="1.0" encoding="utf-8"?>
+<file path=ppt/slides/slide16.xml><?xml version="1.0" encoding="utf-8"?>
 <p:sld xmlns:a="http://schemas.openxmlformats.org/drawingml/2006/main" xmlns:r="http://schemas.openxmlformats.org/officeDocument/2006/relationships" xmlns:p="http://schemas.openxmlformats.org/presentationml/2006/main">
   <p:cSld>
     <p:spTree>
@@ -9494,7 +9832,7 @@
             <p:ph idx="1"/>
             <p:extLst>
               <p:ext uri="{D42A27DB-BD31-4B8C-83A1-F6EECF244321}">
-                <p14:modId xmlns:p14="http://schemas.microsoft.com/office/powerpoint/2010/main" val="3460668134"/>
+                <p14:modId xmlns:p14="http://schemas.microsoft.com/office/powerpoint/2010/main" val="2046264947"/>
               </p:ext>
             </p:extLst>
           </p:nvPr>
@@ -9739,6 +10077,243 @@
         <p:spPr/>
         <p:txBody>
           <a:bodyPr>
+            <a:normAutofit fontScale="92500" lnSpcReduction="10000"/>
+          </a:bodyPr>
+          <a:lstStyle/>
+          <a:p>
+            <a:r>
+              <a:rPr lang="en-ID" dirty="0">
+                <a:solidFill>
+                  <a:schemeClr val="bg1"/>
+                </a:solidFill>
+                <a:latin typeface="Helvetica" pitchFamily="2" charset="0"/>
+              </a:rPr>
+              <a:t>In a very general way, recommender systems are algorithms aimed at suggesting relevant items to users (items being movies to watch, text to read, products to buy or anything else depending on industries) (Rocca, 2019). </a:t>
+            </a:r>
+            <a:r>
+              <a:rPr lang="en-ID" dirty="0"/>
+              <a:t> </a:t>
+            </a:r>
+            <a:endParaRPr lang="en-ID" dirty="0">
+              <a:solidFill>
+                <a:schemeClr val="bg1"/>
+              </a:solidFill>
+              <a:latin typeface="Helvetica" pitchFamily="2" charset="0"/>
+            </a:endParaRPr>
+          </a:p>
+          <a:p>
+            <a:r>
+              <a:rPr lang="en-ID" dirty="0">
+                <a:solidFill>
+                  <a:schemeClr val="bg1"/>
+                </a:solidFill>
+                <a:latin typeface="Helvetica" pitchFamily="2" charset="0"/>
+              </a:rPr>
+              <a:t>Recommender Systems (RS) have emerged as a popular paradigm and often as an alternative to search, for enabling customers to quickly discover needed items (Lu, </a:t>
+            </a:r>
+            <a:r>
+              <a:rPr lang="en-ID" i="1" dirty="0">
+                <a:solidFill>
+                  <a:schemeClr val="bg1"/>
+                </a:solidFill>
+                <a:latin typeface="Helvetica" pitchFamily="2" charset="0"/>
+              </a:rPr>
+              <a:t>et al, </a:t>
+            </a:r>
+            <a:r>
+              <a:rPr lang="en-ID" dirty="0">
+                <a:solidFill>
+                  <a:schemeClr val="bg1"/>
+                </a:solidFill>
+                <a:latin typeface="Helvetica" pitchFamily="2" charset="0"/>
+              </a:rPr>
+              <a:t>2014).</a:t>
+            </a:r>
+          </a:p>
+          <a:p>
+            <a:r>
+              <a:rPr lang="en-ID" dirty="0">
+                <a:solidFill>
+                  <a:schemeClr val="bg1"/>
+                </a:solidFill>
+                <a:latin typeface="Helvetica" pitchFamily="2" charset="0"/>
+              </a:rPr>
+              <a:t>Personalized Product Recommendations Drive Just 7% of Visits but 26% of Revenue (</a:t>
+            </a:r>
+            <a:r>
+              <a:rPr lang="en-ID" dirty="0" err="1">
+                <a:solidFill>
+                  <a:schemeClr val="bg1"/>
+                </a:solidFill>
+                <a:latin typeface="Helvetica" pitchFamily="2" charset="0"/>
+              </a:rPr>
+              <a:t>Salesforce.com</a:t>
+            </a:r>
+            <a:r>
+              <a:rPr lang="en-ID" dirty="0">
+                <a:solidFill>
+                  <a:schemeClr val="bg1"/>
+                </a:solidFill>
+                <a:latin typeface="Helvetica" pitchFamily="2" charset="0"/>
+              </a:rPr>
+              <a:t>, 2017).</a:t>
+            </a:r>
+          </a:p>
+          <a:p>
+            <a:r>
+              <a:rPr lang="en-ID" dirty="0">
+                <a:solidFill>
+                  <a:schemeClr val="bg1"/>
+                </a:solidFill>
+                <a:latin typeface="Helvetica" pitchFamily="2" charset="0"/>
+              </a:rPr>
+              <a:t>35% of </a:t>
+            </a:r>
+            <a:r>
+              <a:rPr lang="en-ID" dirty="0" err="1">
+                <a:solidFill>
+                  <a:schemeClr val="bg1"/>
+                </a:solidFill>
+                <a:latin typeface="Helvetica" pitchFamily="2" charset="0"/>
+              </a:rPr>
+              <a:t>Amazon.com’s</a:t>
+            </a:r>
+            <a:r>
+              <a:rPr lang="en-ID" dirty="0">
+                <a:solidFill>
+                  <a:schemeClr val="bg1"/>
+                </a:solidFill>
+                <a:latin typeface="Helvetica" pitchFamily="2" charset="0"/>
+              </a:rPr>
+              <a:t> revenue is generated by its recommendation engine (McKinsey, 2013).</a:t>
+            </a:r>
+          </a:p>
+          <a:p>
+            <a:endParaRPr lang="en-ID" dirty="0">
+              <a:solidFill>
+                <a:schemeClr val="bg1"/>
+              </a:solidFill>
+              <a:latin typeface="Helvetica" pitchFamily="2" charset="0"/>
+            </a:endParaRPr>
+          </a:p>
+        </p:txBody>
+      </p:sp>
+      <p:pic>
+        <p:nvPicPr>
+          <p:cNvPr id="6" name="Picture 5" descr="A picture containing tableware, plate, drawing&#10;&#10;Description automatically generated">
+            <a:extLst>
+              <a:ext uri="{FF2B5EF4-FFF2-40B4-BE49-F238E27FC236}">
+                <a16:creationId xmlns:a16="http://schemas.microsoft.com/office/drawing/2014/main" id="{EA34F6F6-ED0E-C94D-A61C-A842997B0D21}"/>
+              </a:ext>
+            </a:extLst>
+          </p:cNvPr>
+          <p:cNvPicPr>
+            <a:picLocks noChangeAspect="1"/>
+          </p:cNvPicPr>
+          <p:nvPr/>
+        </p:nvPicPr>
+        <p:blipFill>
+          <a:blip r:embed="rId2"/>
+          <a:stretch>
+            <a:fillRect/>
+          </a:stretch>
+        </p:blipFill>
+        <p:spPr>
+          <a:xfrm>
+            <a:off x="11374147" y="6464180"/>
+            <a:ext cx="817853" cy="393820"/>
+          </a:xfrm>
+          <a:prstGeom prst="rect">
+            <a:avLst/>
+          </a:prstGeom>
+        </p:spPr>
+      </p:pic>
+    </p:spTree>
+    <p:extLst>
+      <p:ext uri="{BB962C8B-B14F-4D97-AF65-F5344CB8AC3E}">
+        <p14:creationId xmlns:p14="http://schemas.microsoft.com/office/powerpoint/2010/main" val="3508693854"/>
+      </p:ext>
+    </p:extLst>
+  </p:cSld>
+  <p:clrMapOvr>
+    <a:masterClrMapping/>
+  </p:clrMapOvr>
+</p:sld>
+</file>
+
+<file path=ppt/slides/slide5.xml><?xml version="1.0" encoding="utf-8"?>
+<p:sld xmlns:a="http://schemas.openxmlformats.org/drawingml/2006/main" xmlns:r="http://schemas.openxmlformats.org/officeDocument/2006/relationships" xmlns:p="http://schemas.openxmlformats.org/presentationml/2006/main">
+  <p:cSld>
+    <p:spTree>
+      <p:nvGrpSpPr>
+        <p:cNvPr id="1" name=""/>
+        <p:cNvGrpSpPr/>
+        <p:nvPr/>
+      </p:nvGrpSpPr>
+      <p:grpSpPr>
+        <a:xfrm>
+          <a:off x="0" y="0"/>
+          <a:ext cx="0" cy="0"/>
+          <a:chOff x="0" y="0"/>
+          <a:chExt cx="0" cy="0"/>
+        </a:xfrm>
+      </p:grpSpPr>
+      <p:sp>
+        <p:nvSpPr>
+          <p:cNvPr id="2" name="Title 1">
+            <a:extLst>
+              <a:ext uri="{FF2B5EF4-FFF2-40B4-BE49-F238E27FC236}">
+                <a16:creationId xmlns:a16="http://schemas.microsoft.com/office/drawing/2014/main" id="{0B796C0D-12C7-694F-A596-B25D1EE7B32C}"/>
+              </a:ext>
+            </a:extLst>
+          </p:cNvPr>
+          <p:cNvSpPr>
+            <a:spLocks noGrp="1"/>
+          </p:cNvSpPr>
+          <p:nvPr>
+            <p:ph type="title"/>
+          </p:nvPr>
+        </p:nvSpPr>
+        <p:spPr>
+          <a:solidFill>
+            <a:srgbClr val="E6B91E"/>
+          </a:solidFill>
+        </p:spPr>
+        <p:txBody>
+          <a:bodyPr/>
+          <a:lstStyle/>
+          <a:p>
+            <a:r>
+              <a:rPr lang="en-US" b="1" i="1" cap="none" spc="0" dirty="0">
+                <a:solidFill>
+                  <a:schemeClr val="tx1"/>
+                </a:solidFill>
+                <a:latin typeface="Helvetica Bold Oblique" pitchFamily="2" charset="0"/>
+              </a:rPr>
+              <a:t>Overview</a:t>
+            </a:r>
+          </a:p>
+        </p:txBody>
+      </p:sp>
+      <p:sp>
+        <p:nvSpPr>
+          <p:cNvPr id="5" name="Content Placeholder 4">
+            <a:extLst>
+              <a:ext uri="{FF2B5EF4-FFF2-40B4-BE49-F238E27FC236}">
+                <a16:creationId xmlns:a16="http://schemas.microsoft.com/office/drawing/2014/main" id="{56E56D90-AB84-7644-8435-9E1A6AA0E310}"/>
+              </a:ext>
+            </a:extLst>
+          </p:cNvPr>
+          <p:cNvSpPr>
+            <a:spLocks noGrp="1"/>
+          </p:cNvSpPr>
+          <p:nvPr>
+            <p:ph idx="1"/>
+          </p:nvPr>
+        </p:nvSpPr>
+        <p:spPr/>
+        <p:txBody>
+          <a:bodyPr>
             <a:normAutofit lnSpcReduction="10000"/>
           </a:bodyPr>
           <a:lstStyle/>
@@ -9895,7 +10470,7 @@
 </p:sld>
 </file>
 
-<file path=ppt/slides/slide5.xml><?xml version="1.0" encoding="utf-8"?>
+<file path=ppt/slides/slide6.xml><?xml version="1.0" encoding="utf-8"?>
 <p:sld xmlns:a="http://schemas.openxmlformats.org/drawingml/2006/main" xmlns:r="http://schemas.openxmlformats.org/officeDocument/2006/relationships" xmlns:p="http://schemas.openxmlformats.org/presentationml/2006/main">
   <p:cSld>
     <p:bg>
@@ -11978,7 +12553,7 @@
 </p:sld>
 </file>
 
-<file path=ppt/slides/slide6.xml><?xml version="1.0" encoding="utf-8"?>
+<file path=ppt/slides/slide7.xml><?xml version="1.0" encoding="utf-8"?>
 <p:sld xmlns:a="http://schemas.openxmlformats.org/drawingml/2006/main" xmlns:r="http://schemas.openxmlformats.org/officeDocument/2006/relationships" xmlns:p="http://schemas.openxmlformats.org/presentationml/2006/main">
   <p:cSld>
     <p:spTree>
@@ -12065,7 +12640,25 @@
                 </a:solidFill>
                 <a:latin typeface="Helvetica Bold Oblique" pitchFamily="2" charset="0"/>
               </a:rPr>
-              <a:t>“Build a simple movie recommendation system”</a:t>
+              <a:t>“Build a simple </a:t>
+            </a:r>
+            <a:r>
+              <a:rPr lang="en-US" sz="2400" b="1" i="1">
+                <a:solidFill>
+                  <a:schemeClr val="bg1"/>
+                </a:solidFill>
+                <a:latin typeface="Helvetica Bold Oblique" pitchFamily="2" charset="0"/>
+              </a:rPr>
+              <a:t>movie recommender </a:t>
+            </a:r>
+            <a:r>
+              <a:rPr lang="en-US" sz="2400" b="1" i="1" dirty="0">
+                <a:solidFill>
+                  <a:schemeClr val="bg1"/>
+                </a:solidFill>
+                <a:latin typeface="Helvetica Bold Oblique" pitchFamily="2" charset="0"/>
+              </a:rPr>
+              <a:t>system”</a:t>
             </a:r>
           </a:p>
           <a:p>
@@ -12124,7 +12717,7 @@
 </p:sld>
 </file>
 
-<file path=ppt/slides/slide7.xml><?xml version="1.0" encoding="utf-8"?>
+<file path=ppt/slides/slide8.xml><?xml version="1.0" encoding="utf-8"?>
 <p:sld xmlns:a="http://schemas.openxmlformats.org/drawingml/2006/main" xmlns:r="http://schemas.openxmlformats.org/officeDocument/2006/relationships" xmlns:p="http://schemas.openxmlformats.org/presentationml/2006/main">
   <p:cSld>
     <p:bg>
@@ -12238,7 +12831,7 @@
 </p:sld>
 </file>
 
-<file path=ppt/slides/slide8.xml><?xml version="1.0" encoding="utf-8"?>
+<file path=ppt/slides/slide9.xml><?xml version="1.0" encoding="utf-8"?>
 <p:sld xmlns:a="http://schemas.openxmlformats.org/drawingml/2006/main" xmlns:r="http://schemas.openxmlformats.org/officeDocument/2006/relationships" xmlns:p="http://schemas.openxmlformats.org/presentationml/2006/main">
   <p:cSld>
     <p:spTree>
@@ -12357,342 +12950,6 @@
     <p:extLst>
       <p:ext uri="{BB962C8B-B14F-4D97-AF65-F5344CB8AC3E}">
         <p14:creationId xmlns:p14="http://schemas.microsoft.com/office/powerpoint/2010/main" val="999348380"/>
-      </p:ext>
-    </p:extLst>
-  </p:cSld>
-  <p:clrMapOvr>
-    <a:masterClrMapping/>
-  </p:clrMapOvr>
-</p:sld>
-</file>
-
-<file path=ppt/slides/slide9.xml><?xml version="1.0" encoding="utf-8"?>
-<p:sld xmlns:a="http://schemas.openxmlformats.org/drawingml/2006/main" xmlns:r="http://schemas.openxmlformats.org/officeDocument/2006/relationships" xmlns:p="http://schemas.openxmlformats.org/presentationml/2006/main">
-  <p:cSld>
-    <p:spTree>
-      <p:nvGrpSpPr>
-        <p:cNvPr id="1" name=""/>
-        <p:cNvGrpSpPr/>
-        <p:nvPr/>
-      </p:nvGrpSpPr>
-      <p:grpSpPr>
-        <a:xfrm>
-          <a:off x="0" y="0"/>
-          <a:ext cx="0" cy="0"/>
-          <a:chOff x="0" y="0"/>
-          <a:chExt cx="0" cy="0"/>
-        </a:xfrm>
-      </p:grpSpPr>
-      <p:sp>
-        <p:nvSpPr>
-          <p:cNvPr id="2" name="Title 1">
-            <a:extLst>
-              <a:ext uri="{FF2B5EF4-FFF2-40B4-BE49-F238E27FC236}">
-                <a16:creationId xmlns:a16="http://schemas.microsoft.com/office/drawing/2014/main" id="{0B796C0D-12C7-694F-A596-B25D1EE7B32C}"/>
-              </a:ext>
-            </a:extLst>
-          </p:cNvPr>
-          <p:cNvSpPr>
-            <a:spLocks noGrp="1"/>
-          </p:cNvSpPr>
-          <p:nvPr>
-            <p:ph type="title"/>
-          </p:nvPr>
-        </p:nvSpPr>
-        <p:spPr>
-          <a:solidFill>
-            <a:srgbClr val="E6B91E"/>
-          </a:solidFill>
-        </p:spPr>
-        <p:txBody>
-          <a:bodyPr/>
-          <a:lstStyle/>
-          <a:p>
-            <a:r>
-              <a:rPr lang="en-US" b="1" i="1" cap="none" spc="0" dirty="0">
-                <a:solidFill>
-                  <a:schemeClr val="tx1"/>
-                </a:solidFill>
-                <a:latin typeface="Helvetica Bold Oblique" pitchFamily="2" charset="0"/>
-              </a:rPr>
-              <a:t>Selecting A Great Movie To Watch</a:t>
-            </a:r>
-          </a:p>
-        </p:txBody>
-      </p:sp>
-      <p:sp>
-        <p:nvSpPr>
-          <p:cNvPr id="5" name="Content Placeholder 4">
-            <a:extLst>
-              <a:ext uri="{FF2B5EF4-FFF2-40B4-BE49-F238E27FC236}">
-                <a16:creationId xmlns:a16="http://schemas.microsoft.com/office/drawing/2014/main" id="{56E56D90-AB84-7644-8435-9E1A6AA0E310}"/>
-              </a:ext>
-            </a:extLst>
-          </p:cNvPr>
-          <p:cNvSpPr>
-            <a:spLocks noGrp="1"/>
-          </p:cNvSpPr>
-          <p:nvPr>
-            <p:ph idx="1"/>
-          </p:nvPr>
-        </p:nvSpPr>
-        <p:spPr>
-          <a:xfrm>
-            <a:off x="2231136" y="2638044"/>
-            <a:ext cx="7729728" cy="4219956"/>
-          </a:xfrm>
-        </p:spPr>
-        <p:txBody>
-          <a:bodyPr>
-            <a:noAutofit/>
-          </a:bodyPr>
-          <a:lstStyle/>
-          <a:p>
-            <a:r>
-              <a:rPr lang="en-ID" dirty="0">
-                <a:solidFill>
-                  <a:schemeClr val="bg1"/>
-                </a:solidFill>
-                <a:latin typeface="Helvetica" pitchFamily="2" charset="0"/>
-              </a:rPr>
-              <a:t>Select by themes</a:t>
-            </a:r>
-          </a:p>
-          <a:p>
-            <a:r>
-              <a:rPr lang="en-ID" dirty="0">
-                <a:solidFill>
-                  <a:schemeClr val="bg1"/>
-                </a:solidFill>
-                <a:latin typeface="Helvetica" pitchFamily="2" charset="0"/>
-              </a:rPr>
-              <a:t>Choose by genre</a:t>
-            </a:r>
-          </a:p>
-          <a:p>
-            <a:r>
-              <a:rPr lang="en-ID" dirty="0">
-                <a:solidFill>
-                  <a:schemeClr val="bg1"/>
-                </a:solidFill>
-                <a:latin typeface="Helvetica" pitchFamily="2" charset="0"/>
-              </a:rPr>
-              <a:t>Select by </a:t>
-            </a:r>
-            <a:r>
-              <a:rPr lang="en-ID" dirty="0" err="1">
-                <a:solidFill>
-                  <a:schemeClr val="bg1"/>
-                </a:solidFill>
-                <a:latin typeface="Helvetica" pitchFamily="2" charset="0"/>
-              </a:rPr>
-              <a:t>favorite</a:t>
-            </a:r>
-            <a:r>
-              <a:rPr lang="en-ID" dirty="0">
-                <a:solidFill>
-                  <a:schemeClr val="bg1"/>
-                </a:solidFill>
-                <a:latin typeface="Helvetica" pitchFamily="2" charset="0"/>
-              </a:rPr>
-              <a:t> actors</a:t>
-            </a:r>
-          </a:p>
-          <a:p>
-            <a:r>
-              <a:rPr lang="en-ID" dirty="0">
-                <a:solidFill>
-                  <a:schemeClr val="bg1"/>
-                </a:solidFill>
-                <a:latin typeface="Helvetica" pitchFamily="2" charset="0"/>
-              </a:rPr>
-              <a:t>Select by audience</a:t>
-            </a:r>
-          </a:p>
-          <a:p>
-            <a:r>
-              <a:rPr lang="en-ID" dirty="0">
-                <a:solidFill>
-                  <a:schemeClr val="bg1"/>
-                </a:solidFill>
-                <a:latin typeface="Helvetica" pitchFamily="2" charset="0"/>
-              </a:rPr>
-              <a:t>Select by the director</a:t>
-            </a:r>
-          </a:p>
-          <a:p>
-            <a:r>
-              <a:rPr lang="en-ID" dirty="0">
-                <a:solidFill>
-                  <a:schemeClr val="bg1"/>
-                </a:solidFill>
-                <a:latin typeface="Helvetica" pitchFamily="2" charset="0"/>
-              </a:rPr>
-              <a:t>Select by the producer</a:t>
-            </a:r>
-          </a:p>
-          <a:p>
-            <a:r>
-              <a:rPr lang="en-ID" dirty="0">
-                <a:solidFill>
-                  <a:schemeClr val="bg1"/>
-                </a:solidFill>
-                <a:latin typeface="Helvetica" pitchFamily="2" charset="0"/>
-              </a:rPr>
-              <a:t>Year of released</a:t>
-            </a:r>
-          </a:p>
-          <a:p>
-            <a:r>
-              <a:rPr lang="en-ID" dirty="0">
-                <a:solidFill>
-                  <a:schemeClr val="bg1"/>
-                </a:solidFill>
-                <a:latin typeface="Helvetica" pitchFamily="2" charset="0"/>
-              </a:rPr>
-              <a:t>Use popularity rankings (score)</a:t>
-            </a:r>
-          </a:p>
-          <a:p>
-            <a:pPr marL="0" indent="0">
-              <a:buNone/>
-            </a:pPr>
-            <a:endParaRPr lang="en-ID" sz="1600" dirty="0">
-              <a:solidFill>
-                <a:schemeClr val="bg1"/>
-              </a:solidFill>
-              <a:latin typeface="Helvetica" pitchFamily="2" charset="0"/>
-            </a:endParaRPr>
-          </a:p>
-          <a:p>
-            <a:pPr marL="0" indent="0">
-              <a:buNone/>
-            </a:pPr>
-            <a:r>
-              <a:rPr lang="en-ID" sz="800" dirty="0">
-                <a:solidFill>
-                  <a:schemeClr val="bg1"/>
-                </a:solidFill>
-                <a:latin typeface="Helvetica" pitchFamily="2" charset="0"/>
-              </a:rPr>
-              <a:t>http://</a:t>
-            </a:r>
-            <a:r>
-              <a:rPr lang="en-ID" sz="800" dirty="0" err="1">
-                <a:solidFill>
-                  <a:schemeClr val="bg1"/>
-                </a:solidFill>
-                <a:latin typeface="Helvetica" pitchFamily="2" charset="0"/>
-              </a:rPr>
-              <a:t>www.gacds.org</a:t>
-            </a:r>
-            <a:r>
-              <a:rPr lang="en-ID" sz="800" dirty="0">
-                <a:solidFill>
-                  <a:schemeClr val="bg1"/>
-                </a:solidFill>
-                <a:latin typeface="Helvetica" pitchFamily="2" charset="0"/>
-              </a:rPr>
-              <a:t>/entertainment/tips-to-selecting-a-great-movie-to-watch/</a:t>
-            </a:r>
-          </a:p>
-          <a:p>
-            <a:pPr marL="0" indent="0">
-              <a:buNone/>
-            </a:pPr>
-            <a:r>
-              <a:rPr lang="en-ID" sz="800" dirty="0">
-                <a:solidFill>
-                  <a:schemeClr val="bg1"/>
-                </a:solidFill>
-                <a:latin typeface="Helvetica" pitchFamily="2" charset="0"/>
-              </a:rPr>
-              <a:t>taken from https://</a:t>
-            </a:r>
-            <a:r>
-              <a:rPr lang="en-ID" sz="800" dirty="0" err="1">
-                <a:solidFill>
-                  <a:schemeClr val="bg1"/>
-                </a:solidFill>
-                <a:latin typeface="Helvetica" pitchFamily="2" charset="0"/>
-              </a:rPr>
-              <a:t>medium.com</a:t>
-            </a:r>
-            <a:r>
-              <a:rPr lang="en-ID" sz="800" dirty="0">
-                <a:solidFill>
-                  <a:schemeClr val="bg1"/>
-                </a:solidFill>
-                <a:latin typeface="Helvetica" pitchFamily="2" charset="0"/>
-              </a:rPr>
-              <a:t>/</a:t>
-            </a:r>
-            <a:r>
-              <a:rPr lang="en-ID" sz="800" dirty="0" err="1">
-                <a:solidFill>
-                  <a:schemeClr val="bg1"/>
-                </a:solidFill>
-                <a:latin typeface="Helvetica" pitchFamily="2" charset="0"/>
-              </a:rPr>
-              <a:t>fnplus</a:t>
-            </a:r>
-            <a:r>
-              <a:rPr lang="en-ID" sz="800" dirty="0">
-                <a:solidFill>
-                  <a:schemeClr val="bg1"/>
-                </a:solidFill>
-                <a:latin typeface="Helvetica" pitchFamily="2" charset="0"/>
-              </a:rPr>
-              <a:t>/content-based-recommendations-ffb221931485</a:t>
-            </a:r>
-          </a:p>
-          <a:p>
-            <a:pPr marL="0" indent="0">
-              <a:buNone/>
-            </a:pPr>
-            <a:endParaRPr lang="en-ID" sz="1600" dirty="0">
-              <a:solidFill>
-                <a:schemeClr val="bg1"/>
-              </a:solidFill>
-              <a:latin typeface="Helvetica" pitchFamily="2" charset="0"/>
-            </a:endParaRPr>
-          </a:p>
-        </p:txBody>
-      </p:sp>
-      <p:pic>
-        <p:nvPicPr>
-          <p:cNvPr id="6" name="Picture 5" descr="A picture containing tableware, plate, drawing&#10;&#10;Description automatically generated">
-            <a:extLst>
-              <a:ext uri="{FF2B5EF4-FFF2-40B4-BE49-F238E27FC236}">
-                <a16:creationId xmlns:a16="http://schemas.microsoft.com/office/drawing/2014/main" id="{A1A5DBAF-2863-AA4E-B936-47391C505078}"/>
-              </a:ext>
-            </a:extLst>
-          </p:cNvPr>
-          <p:cNvPicPr>
-            <a:picLocks noChangeAspect="1"/>
-          </p:cNvPicPr>
-          <p:nvPr/>
-        </p:nvPicPr>
-        <p:blipFill>
-          <a:blip r:embed="rId2"/>
-          <a:stretch>
-            <a:fillRect/>
-          </a:stretch>
-        </p:blipFill>
-        <p:spPr>
-          <a:xfrm>
-            <a:off x="11374147" y="6464180"/>
-            <a:ext cx="817853" cy="393820"/>
-          </a:xfrm>
-          <a:prstGeom prst="rect">
-            <a:avLst/>
-          </a:prstGeom>
-        </p:spPr>
-      </p:pic>
-    </p:spTree>
-    <p:extLst>
-      <p:ext uri="{BB962C8B-B14F-4D97-AF65-F5344CB8AC3E}">
-        <p14:creationId xmlns:p14="http://schemas.microsoft.com/office/powerpoint/2010/main" val="3915917868"/>
       </p:ext>
     </p:extLst>
   </p:cSld>
